--- a/PPT/Unit 6/Unit 6.pptx
+++ b/PPT/Unit 6/Unit 6.pptx
@@ -176,6 +176,11 @@
       </a:defRPr>
     </a:lvl9pPr>
   </p:defaultTextStyle>
+  <p:extLst>
+    <p:ext uri="{EFAFB233-063F-42B5-8137-9DF3F51BA10A}">
+      <p15:sldGuideLst xmlns:p15="http://schemas.microsoft.com/office/powerpoint/2012/main"/>
+    </p:ext>
+  </p:extLst>
 </p:presentation>
 </file>
 
@@ -328,7 +333,7 @@
           <a:p>
             <a:fld id="{19305401-EFB0-4AAF-B457-B3DE15356ED7}" type="datetimeFigureOut">
               <a:rPr lang="en-IN" smtClean="0"/>
-              <a:t>16-10-2024</a:t>
+              <a:t>21-10-2024</a:t>
             </a:fld>
             <a:endParaRPr lang="en-IN"/>
           </a:p>
@@ -528,7 +533,7 @@
           <a:p>
             <a:fld id="{19305401-EFB0-4AAF-B457-B3DE15356ED7}" type="datetimeFigureOut">
               <a:rPr lang="en-IN" smtClean="0"/>
-              <a:t>16-10-2024</a:t>
+              <a:t>21-10-2024</a:t>
             </a:fld>
             <a:endParaRPr lang="en-IN"/>
           </a:p>
@@ -738,7 +743,7 @@
           <a:p>
             <a:fld id="{19305401-EFB0-4AAF-B457-B3DE15356ED7}" type="datetimeFigureOut">
               <a:rPr lang="en-IN" smtClean="0"/>
-              <a:t>16-10-2024</a:t>
+              <a:t>21-10-2024</a:t>
             </a:fld>
             <a:endParaRPr lang="en-IN"/>
           </a:p>
@@ -938,7 +943,7 @@
           <a:p>
             <a:fld id="{19305401-EFB0-4AAF-B457-B3DE15356ED7}" type="datetimeFigureOut">
               <a:rPr lang="en-IN" smtClean="0"/>
-              <a:t>16-10-2024</a:t>
+              <a:t>21-10-2024</a:t>
             </a:fld>
             <a:endParaRPr lang="en-IN"/>
           </a:p>
@@ -1214,7 +1219,7 @@
           <a:p>
             <a:fld id="{19305401-EFB0-4AAF-B457-B3DE15356ED7}" type="datetimeFigureOut">
               <a:rPr lang="en-IN" smtClean="0"/>
-              <a:t>16-10-2024</a:t>
+              <a:t>21-10-2024</a:t>
             </a:fld>
             <a:endParaRPr lang="en-IN"/>
           </a:p>
@@ -1482,7 +1487,7 @@
           <a:p>
             <a:fld id="{19305401-EFB0-4AAF-B457-B3DE15356ED7}" type="datetimeFigureOut">
               <a:rPr lang="en-IN" smtClean="0"/>
-              <a:t>16-10-2024</a:t>
+              <a:t>21-10-2024</a:t>
             </a:fld>
             <a:endParaRPr lang="en-IN"/>
           </a:p>
@@ -1897,7 +1902,7 @@
           <a:p>
             <a:fld id="{19305401-EFB0-4AAF-B457-B3DE15356ED7}" type="datetimeFigureOut">
               <a:rPr lang="en-IN" smtClean="0"/>
-              <a:t>16-10-2024</a:t>
+              <a:t>21-10-2024</a:t>
             </a:fld>
             <a:endParaRPr lang="en-IN"/>
           </a:p>
@@ -2039,7 +2044,7 @@
           <a:p>
             <a:fld id="{19305401-EFB0-4AAF-B457-B3DE15356ED7}" type="datetimeFigureOut">
               <a:rPr lang="en-IN" smtClean="0"/>
-              <a:t>16-10-2024</a:t>
+              <a:t>21-10-2024</a:t>
             </a:fld>
             <a:endParaRPr lang="en-IN"/>
           </a:p>
@@ -2152,7 +2157,7 @@
           <a:p>
             <a:fld id="{19305401-EFB0-4AAF-B457-B3DE15356ED7}" type="datetimeFigureOut">
               <a:rPr lang="en-IN" smtClean="0"/>
-              <a:t>16-10-2024</a:t>
+              <a:t>21-10-2024</a:t>
             </a:fld>
             <a:endParaRPr lang="en-IN"/>
           </a:p>
@@ -2465,7 +2470,7 @@
           <a:p>
             <a:fld id="{19305401-EFB0-4AAF-B457-B3DE15356ED7}" type="datetimeFigureOut">
               <a:rPr lang="en-IN" smtClean="0"/>
-              <a:t>16-10-2024</a:t>
+              <a:t>21-10-2024</a:t>
             </a:fld>
             <a:endParaRPr lang="en-IN"/>
           </a:p>
@@ -2754,7 +2759,7 @@
           <a:p>
             <a:fld id="{19305401-EFB0-4AAF-B457-B3DE15356ED7}" type="datetimeFigureOut">
               <a:rPr lang="en-IN" smtClean="0"/>
-              <a:t>16-10-2024</a:t>
+              <a:t>21-10-2024</a:t>
             </a:fld>
             <a:endParaRPr lang="en-IN"/>
           </a:p>
@@ -2997,7 +3002,7 @@
           <a:p>
             <a:fld id="{19305401-EFB0-4AAF-B457-B3DE15356ED7}" type="datetimeFigureOut">
               <a:rPr lang="en-IN" smtClean="0"/>
-              <a:t>16-10-2024</a:t>
+              <a:t>21-10-2024</a:t>
             </a:fld>
             <a:endParaRPr lang="en-IN"/>
           </a:p>
@@ -9284,9 +9289,16 @@
             </a:r>
           </a:p>
           <a:p>
-            <a:r>
-              <a:rPr lang="en-US" b="1" dirty="0"/>
-              <a:t>Vector Autoregression (VAR)</a:t>
+            <a:pPr marL="0" indent="0">
+              <a:buNone/>
+            </a:pPr>
+            <a:r>
+              <a:rPr lang="en-US" b="1"/>
+              <a:t>Vector </a:t>
+            </a:r>
+            <a:r>
+              <a:rPr lang="en-US" b="1" dirty="0"/>
+              <a:t>Autoregression (VAR)</a:t>
             </a:r>
             <a:r>
               <a:rPr lang="en-US" dirty="0"/>
